--- a/23MDS003_Blood Cell Image Classifier using Deep learning Techniques.pptx
+++ b/23MDS003_Blood Cell Image Classifier using Deep learning Techniques.pptx
@@ -230,7 +230,7 @@
           <a:p>
             <a:fld id="{0D26D841-7B3C-47AF-987F-072B4B4DB2FC}" type="datetimeFigureOut">
               <a:rPr lang="en-US" smtClean="0"/>
-              <a:t>9/17/2024</a:t>
+              <a:t>9/18/2024</a:t>
             </a:fld>
             <a:endParaRPr lang="en-US" dirty="0"/>
           </a:p>
@@ -408,7 +408,7 @@
           <a:p>
             <a:fld id="{594E7DBF-46FE-4FD5-AC56-18193FB86556}" type="datetimeFigureOut">
               <a:rPr lang="en-US" noProof="0" smtClean="0"/>
-              <a:t>9/17/2024</a:t>
+              <a:t>9/18/2024</a:t>
             </a:fld>
             <a:endParaRPr lang="en-US" noProof="0" dirty="0"/>
           </a:p>
@@ -25687,7 +25687,7 @@
                 <a:latin typeface="Times New Roman" panose="02020603050405020304" pitchFamily="18" charset="0"/>
                 <a:cs typeface="Times New Roman" panose="02020603050405020304" pitchFamily="18" charset="0"/>
               </a:rPr>
-              <a:t>In the future, additional models will be compared to determine the best one for classifying white blood cells. These findings will be submitted to a conference, contributing to advancements in medical image analysis and potentially improving clinical practices.</a:t>
+              <a:t>In the future, additional models will be compared to determine the best one for classifying white blood cells. These findings will be submitted to a conference paper, contributing to advancements in medical image analysis and potentially improving clinical practices.</a:t>
             </a:r>
           </a:p>
         </p:txBody>
@@ -27072,7 +27072,7 @@
             <p:ph idx="1"/>
             <p:extLst>
               <p:ext uri="{D42A27DB-BD31-4B8C-83A1-F6EECF244321}">
-                <p14:modId xmlns:p14="http://schemas.microsoft.com/office/powerpoint/2010/main" val="445938258"/>
+                <p14:modId xmlns:p14="http://schemas.microsoft.com/office/powerpoint/2010/main" val="3722965043"/>
               </p:ext>
             </p:extLst>
           </p:nvPr>
@@ -27331,7 +27331,7 @@
                           <a:latin typeface="Times New Roman" panose="02020603050405020304" pitchFamily="18" charset="0"/>
                           <a:cs typeface="Times New Roman" panose="02020603050405020304" pitchFamily="18" charset="0"/>
                         </a:rPr>
-                        <a:t>99.5%</a:t>
+                        <a:t>91.5%</a:t>
                       </a:r>
                       <a:endParaRPr lang="en-IN" sz="2000" dirty="0">
                         <a:latin typeface="Times New Roman" panose="02020603050405020304" pitchFamily="18" charset="0"/>
@@ -27563,7 +27563,7 @@
                           <a:latin typeface="Times New Roman" panose="02020603050405020304" pitchFamily="18" charset="0"/>
                           <a:cs typeface="Times New Roman" panose="02020603050405020304" pitchFamily="18" charset="0"/>
                         </a:rPr>
-                        <a:t>97.54%</a:t>
+                        <a:t>93.54%</a:t>
                       </a:r>
                       <a:endParaRPr lang="en-IN" sz="2000" dirty="0">
                         <a:latin typeface="Times New Roman" panose="02020603050405020304" pitchFamily="18" charset="0"/>
@@ -28551,7 +28551,7 @@
                 <a:latin typeface="Times New Roman" panose="02020603050405020304" pitchFamily="18" charset="0"/>
                 <a:cs typeface="Times New Roman" panose="02020603050405020304" pitchFamily="18" charset="0"/>
               </a:rPr>
-              <a:t>The contributions include preparing and enhancing image data, and optimizing various deep learning models, and conducting thorough training and testing to achieve high accuracy and speed in classification.</a:t>
+              <a:t>The contributions include preparing and enhancing image data, and optimizing various deep learning models, and conducting through training and testing to achieve high accuracy and speed in classification.</a:t>
             </a:r>
           </a:p>
         </p:txBody>
@@ -29954,15 +29954,6 @@
 </file>
 
 <file path=customXml/item1.xml><?xml version="1.0" encoding="utf-8"?>
-<?mso-contentType ?>
-<FormTemplates xmlns="http://schemas.microsoft.com/sharepoint/v3/contenttype/forms">
-  <Display>DocumentLibraryForm</Display>
-  <Edit>DocumentLibraryForm</Edit>
-  <New>DocumentLibraryForm</New>
-</FormTemplates>
-</file>
-
-<file path=customXml/item2.xml><?xml version="1.0" encoding="utf-8"?>
 <p:properties xmlns:p="http://schemas.microsoft.com/office/2006/metadata/properties" xmlns:xsi="http://www.w3.org/2001/XMLSchema-instance" xmlns:pc="http://schemas.microsoft.com/office/infopath/2007/PartnerControls">
   <documentManagement>
     <_ip_UnifiedCompliancePolicyUIAction xmlns="http://schemas.microsoft.com/sharepoint/v3" xsi:nil="true"/>
@@ -29980,6 +29971,15 @@
     <MediaServiceKeyPoints xmlns="71af3243-3dd4-4a8d-8c0d-dd76da1f02a5" xsi:nil="true"/>
   </documentManagement>
 </p:properties>
+</file>
+
+<file path=customXml/item2.xml><?xml version="1.0" encoding="utf-8"?>
+<?mso-contentType ?>
+<FormTemplates xmlns="http://schemas.microsoft.com/sharepoint/v3/contenttype/forms">
+  <Display>DocumentLibraryForm</Display>
+  <Edit>DocumentLibraryForm</Edit>
+  <New>DocumentLibraryForm</New>
+</FormTemplates>
 </file>
 
 <file path=customXml/item3.xml><?xml version="1.0" encoding="utf-8"?>
@@ -30283,14 +30283,6 @@
 </file>
 
 <file path=customXml/itemProps1.xml><?xml version="1.0" encoding="utf-8"?>
-<ds:datastoreItem xmlns:ds="http://schemas.openxmlformats.org/officeDocument/2006/customXml" ds:itemID="{C4D21938-1F13-4699-8A6C-390EF71C7BE1}">
-  <ds:schemaRefs>
-    <ds:schemaRef ds:uri="http://schemas.microsoft.com/sharepoint/v3/contenttype/forms"/>
-  </ds:schemaRefs>
-</ds:datastoreItem>
-</file>
-
-<file path=customXml/itemProps2.xml><?xml version="1.0" encoding="utf-8"?>
 <ds:datastoreItem xmlns:ds="http://schemas.openxmlformats.org/officeDocument/2006/customXml" ds:itemID="{9945D35E-8227-46A9-BA56-FC43209CE408}">
   <ds:schemaRefs>
     <ds:schemaRef ds:uri="http://schemas.microsoft.com/office/2006/metadata/properties"/>
@@ -30298,6 +30290,14 @@
     <ds:schemaRef ds:uri="http://schemas.microsoft.com/sharepoint/v3"/>
     <ds:schemaRef ds:uri="71af3243-3dd4-4a8d-8c0d-dd76da1f02a5"/>
     <ds:schemaRef ds:uri="230e9df3-be65-4c73-a93b-d1236ebd677e"/>
+  </ds:schemaRefs>
+</ds:datastoreItem>
+</file>
+
+<file path=customXml/itemProps2.xml><?xml version="1.0" encoding="utf-8"?>
+<ds:datastoreItem xmlns:ds="http://schemas.openxmlformats.org/officeDocument/2006/customXml" ds:itemID="{C4D21938-1F13-4699-8A6C-390EF71C7BE1}">
+  <ds:schemaRefs>
+    <ds:schemaRef ds:uri="http://schemas.microsoft.com/sharepoint/v3/contenttype/forms"/>
   </ds:schemaRefs>
 </ds:datastoreItem>
 </file>

--- a/23MDS003_Blood Cell Image Classifier using Deep learning Techniques.pptx
+++ b/23MDS003_Blood Cell Image Classifier using Deep learning Techniques.pptx
@@ -230,7 +230,7 @@
           <a:p>
             <a:fld id="{0D26D841-7B3C-47AF-987F-072B4B4DB2FC}" type="datetimeFigureOut">
               <a:rPr lang="en-US" smtClean="0"/>
-              <a:t>9/18/2024</a:t>
+              <a:t>9/20/2024</a:t>
             </a:fld>
             <a:endParaRPr lang="en-US" dirty="0"/>
           </a:p>
@@ -408,7 +408,7 @@
           <a:p>
             <a:fld id="{594E7DBF-46FE-4FD5-AC56-18193FB86556}" type="datetimeFigureOut">
               <a:rPr lang="en-US" noProof="0" smtClean="0"/>
-              <a:t>9/18/2024</a:t>
+              <a:t>9/20/2024</a:t>
             </a:fld>
             <a:endParaRPr lang="en-US" noProof="0" dirty="0"/>
           </a:p>
@@ -23096,7 +23096,7 @@
         </p:nvSpPr>
         <p:spPr>
           <a:xfrm>
-            <a:off x="243151" y="3005105"/>
+            <a:off x="243151" y="3016122"/>
             <a:ext cx="5836934" cy="2194856"/>
           </a:xfrm>
           <a:prstGeom prst="rect">
